--- a/docker-techzone.pptx
+++ b/docker-techzone.pptx
@@ -205,7 +205,7 @@
           <a:p>
             <a:fld id="{6A642AAD-2F04-8249-9257-3147036E12AF}" type="datetimeFigureOut">
               <a:rPr lang="en-US" smtClean="0"/>
-              <a:t>28/04/14</a:t>
+              <a:t>13/05/14</a:t>
             </a:fld>
             <a:endParaRPr lang="en-US"/>
           </a:p>
@@ -1424,18 +1424,7 @@
                 <a:ea typeface="+mn-ea"/>
                 <a:cs typeface="+mn-cs"/>
               </a:rPr>
-              <a:t> clone  </a:t>
-            </a:r>
-            <a:r>
-              <a:rPr lang="en-US" sz="1200" kern="1200" dirty="0" smtClean="0">
-                <a:solidFill>
-                  <a:schemeClr val="tx1"/>
-                </a:solidFill>
-                <a:latin typeface="+mn-lt"/>
-                <a:ea typeface="+mn-ea"/>
-                <a:cs typeface="+mn-cs"/>
-              </a:rPr>
-              <a:t>https://</a:t>
+              <a:t> clone  https://</a:t>
             </a:r>
             <a:r>
               <a:rPr lang="en-US" sz="1200" kern="1200" dirty="0" err="1" smtClean="0">
@@ -4369,7 +4358,7 @@
           <a:p>
             <a:fld id="{407500A6-99FE-8443-9814-85B0EEFD2379}" type="datetimeFigureOut">
               <a:rPr lang="en-US" smtClean="0"/>
-              <a:t>14/04/14</a:t>
+              <a:t>13/05/14</a:t>
             </a:fld>
             <a:endParaRPr lang="en-US"/>
           </a:p>
@@ -4539,7 +4528,7 @@
           <a:p>
             <a:fld id="{407500A6-99FE-8443-9814-85B0EEFD2379}" type="datetimeFigureOut">
               <a:rPr lang="en-US" smtClean="0"/>
-              <a:t>14/04/14</a:t>
+              <a:t>13/05/14</a:t>
             </a:fld>
             <a:endParaRPr lang="en-US"/>
           </a:p>
@@ -4719,7 +4708,7 @@
           <a:p>
             <a:fld id="{407500A6-99FE-8443-9814-85B0EEFD2379}" type="datetimeFigureOut">
               <a:rPr lang="en-US" smtClean="0"/>
-              <a:t>14/04/14</a:t>
+              <a:t>13/05/14</a:t>
             </a:fld>
             <a:endParaRPr lang="en-US"/>
           </a:p>
@@ -4889,7 +4878,7 @@
           <a:p>
             <a:fld id="{407500A6-99FE-8443-9814-85B0EEFD2379}" type="datetimeFigureOut">
               <a:rPr lang="en-US" smtClean="0"/>
-              <a:t>14/04/14</a:t>
+              <a:t>13/05/14</a:t>
             </a:fld>
             <a:endParaRPr lang="en-US"/>
           </a:p>
@@ -5135,7 +5124,7 @@
           <a:p>
             <a:fld id="{407500A6-99FE-8443-9814-85B0EEFD2379}" type="datetimeFigureOut">
               <a:rPr lang="en-US" smtClean="0"/>
-              <a:t>14/04/14</a:t>
+              <a:t>13/05/14</a:t>
             </a:fld>
             <a:endParaRPr lang="en-US"/>
           </a:p>
@@ -5423,7 +5412,7 @@
           <a:p>
             <a:fld id="{407500A6-99FE-8443-9814-85B0EEFD2379}" type="datetimeFigureOut">
               <a:rPr lang="en-US" smtClean="0"/>
-              <a:t>14/04/14</a:t>
+              <a:t>13/05/14</a:t>
             </a:fld>
             <a:endParaRPr lang="en-US"/>
           </a:p>
@@ -5845,7 +5834,7 @@
           <a:p>
             <a:fld id="{407500A6-99FE-8443-9814-85B0EEFD2379}" type="datetimeFigureOut">
               <a:rPr lang="en-US" smtClean="0"/>
-              <a:t>14/04/14</a:t>
+              <a:t>13/05/14</a:t>
             </a:fld>
             <a:endParaRPr lang="en-US"/>
           </a:p>
@@ -5963,7 +5952,7 @@
           <a:p>
             <a:fld id="{407500A6-99FE-8443-9814-85B0EEFD2379}" type="datetimeFigureOut">
               <a:rPr lang="en-US" smtClean="0"/>
-              <a:t>14/04/14</a:t>
+              <a:t>13/05/14</a:t>
             </a:fld>
             <a:endParaRPr lang="en-US"/>
           </a:p>
@@ -6058,7 +6047,7 @@
           <a:p>
             <a:fld id="{407500A6-99FE-8443-9814-85B0EEFD2379}" type="datetimeFigureOut">
               <a:rPr lang="en-US" smtClean="0"/>
-              <a:t>14/04/14</a:t>
+              <a:t>13/05/14</a:t>
             </a:fld>
             <a:endParaRPr lang="en-US"/>
           </a:p>
@@ -6335,7 +6324,7 @@
           <a:p>
             <a:fld id="{407500A6-99FE-8443-9814-85B0EEFD2379}" type="datetimeFigureOut">
               <a:rPr lang="en-US" smtClean="0"/>
-              <a:t>14/04/14</a:t>
+              <a:t>13/05/14</a:t>
             </a:fld>
             <a:endParaRPr lang="en-US"/>
           </a:p>
@@ -6588,7 +6577,7 @@
           <a:p>
             <a:fld id="{407500A6-99FE-8443-9814-85B0EEFD2379}" type="datetimeFigureOut">
               <a:rPr lang="en-US" smtClean="0"/>
-              <a:t>14/04/14</a:t>
+              <a:t>13/05/14</a:t>
             </a:fld>
             <a:endParaRPr lang="en-US"/>
           </a:p>
@@ -6801,7 +6790,7 @@
           <a:p>
             <a:fld id="{407500A6-99FE-8443-9814-85B0EEFD2379}" type="datetimeFigureOut">
               <a:rPr lang="en-US" smtClean="0"/>
-              <a:t>14/04/14</a:t>
+              <a:t>13/05/14</a:t>
             </a:fld>
             <a:endParaRPr lang="en-US"/>
           </a:p>
@@ -7226,7 +7215,7 @@
         </p:blipFill>
         <p:spPr>
           <a:xfrm>
-            <a:off x="5575741" y="258285"/>
+            <a:off x="2983673" y="258285"/>
             <a:ext cx="3199294" cy="2647416"/>
           </a:xfrm>
           <a:prstGeom prst="rect">
@@ -7255,12 +7244,61 @@
           <a:lstStyle/>
           <a:p>
             <a:r>
+              <a:rPr lang="en-US" dirty="0" smtClean="0"/>
+              <a:t>Build </a:t>
+            </a:r>
+            <a:r>
+              <a:rPr lang="en-US" dirty="0"/>
+              <a:t>and share infrastructure as easily as code </a:t>
+            </a:r>
+          </a:p>
+        </p:txBody>
+      </p:sp>
+      <p:sp>
+        <p:nvSpPr>
+          <p:cNvPr id="2" name="TextBox 1"/>
+          <p:cNvSpPr txBox="1"/>
+          <p:nvPr/>
+        </p:nvSpPr>
+        <p:spPr>
+          <a:xfrm>
+            <a:off x="2522482" y="6136418"/>
+            <a:ext cx="4073200" cy="369332"/>
+          </a:xfrm>
+          <a:prstGeom prst="rect">
+            <a:avLst/>
+          </a:prstGeom>
+          <a:noFill/>
+        </p:spPr>
+        <p:txBody>
+          <a:bodyPr wrap="none" rtlCol="0">
+            <a:spAutoFit/>
+          </a:bodyPr>
+          <a:lstStyle/>
+          <a:p>
+            <a:r>
+              <a:rPr lang="en-US" dirty="0"/>
+              <a:t>https://</a:t>
+            </a:r>
+            <a:r>
               <a:rPr lang="en-US" dirty="0" err="1"/>
-              <a:t>Docker</a:t>
+              <a:t>github.com</a:t>
             </a:r>
             <a:r>
               <a:rPr lang="en-US" dirty="0"/>
-              <a:t> - Build and share infrastructure as easily as code </a:t>
+              <a:t>/</a:t>
+            </a:r>
+            <a:r>
+              <a:rPr lang="en-US" dirty="0" err="1"/>
+              <a:t>bjornno</a:t>
+            </a:r>
+            <a:r>
+              <a:rPr lang="en-US" dirty="0"/>
+              <a:t>/</a:t>
+            </a:r>
+            <a:r>
+              <a:rPr lang="en-US" dirty="0" err="1"/>
+              <a:t>dockerdemo</a:t>
             </a:r>
             <a:endParaRPr lang="en-US" dirty="0"/>
           </a:p>
@@ -8331,11 +8369,7 @@
                     <a:p>
                       <a:r>
                         <a:rPr lang="en-US" sz="2000" dirty="0" smtClean="0"/>
-                        <a:t>~</a:t>
-                      </a:r>
-                      <a:r>
-                        <a:rPr lang="en-US" sz="2000" dirty="0" smtClean="0"/>
-                        <a:t>150MB</a:t>
+                        <a:t>~150MB</a:t>
                       </a:r>
                       <a:endParaRPr lang="en-US" sz="2000" dirty="0"/>
                     </a:p>

--- a/docker-techzone.pptx
+++ b/docker-techzone.pptx
@@ -9442,6 +9442,56 @@
           </a:graphicData>
         </a:graphic>
       </p:graphicFrame>
+      <p:sp>
+        <p:nvSpPr>
+          <p:cNvPr id="5" name="TextBox 4"/>
+          <p:cNvSpPr txBox="1"/>
+          <p:nvPr/>
+        </p:nvSpPr>
+        <p:spPr>
+          <a:xfrm>
+            <a:off x="2522482" y="6321084"/>
+            <a:ext cx="4073200" cy="369332"/>
+          </a:xfrm>
+          <a:prstGeom prst="rect">
+            <a:avLst/>
+          </a:prstGeom>
+          <a:noFill/>
+        </p:spPr>
+        <p:txBody>
+          <a:bodyPr wrap="none" rtlCol="0">
+            <a:spAutoFit/>
+          </a:bodyPr>
+          <a:lstStyle/>
+          <a:p>
+            <a:r>
+              <a:rPr lang="en-US" dirty="0"/>
+              <a:t>https://</a:t>
+            </a:r>
+            <a:r>
+              <a:rPr lang="en-US" dirty="0" err="1"/>
+              <a:t>github.com</a:t>
+            </a:r>
+            <a:r>
+              <a:rPr lang="en-US" dirty="0"/>
+              <a:t>/</a:t>
+            </a:r>
+            <a:r>
+              <a:rPr lang="en-US" dirty="0" err="1"/>
+              <a:t>bjornno</a:t>
+            </a:r>
+            <a:r>
+              <a:rPr lang="en-US" dirty="0"/>
+              <a:t>/</a:t>
+            </a:r>
+            <a:r>
+              <a:rPr lang="en-US" dirty="0" err="1"/>
+              <a:t>dockerdemo</a:t>
+            </a:r>
+            <a:endParaRPr lang="en-US" dirty="0"/>
+          </a:p>
+        </p:txBody>
+      </p:sp>
     </p:spTree>
     <p:extLst>
       <p:ext uri="{BB962C8B-B14F-4D97-AF65-F5344CB8AC3E}">

--- a/docker-techzone.pptx
+++ b/docker-techzone.pptx
@@ -553,7 +553,15 @@
             </a:r>
             <a:r>
               <a:rPr lang="en-US" baseline="0" dirty="0" smtClean="0"/>
-              <a:t> an open sourced implementation, it’s similar to other tools used by </a:t>
+              <a:t> an open </a:t>
+            </a:r>
+            <a:r>
+              <a:rPr lang="en-US" baseline="0" dirty="0" smtClean="0"/>
+              <a:t>source </a:t>
+            </a:r>
+            <a:r>
+              <a:rPr lang="en-US" baseline="0" dirty="0" smtClean="0"/>
+              <a:t>implementation, it’s similar to other tools used by </a:t>
             </a:r>
           </a:p>
           <a:p>
@@ -1681,8 +1689,13 @@
             </a:r>
             <a:r>
               <a:rPr lang="en-US" baseline="0" dirty="0" smtClean="0"/>
-              <a:t> for building a container), that is checked in with your code describing your image.</a:t>
-            </a:r>
+              <a:t> for building a container), that is checked in with your </a:t>
+            </a:r>
+            <a:r>
+              <a:rPr lang="en-US" baseline="0" dirty="0" smtClean="0"/>
+              <a:t>application source code.</a:t>
+            </a:r>
+            <a:endParaRPr lang="en-US" baseline="0" dirty="0" smtClean="0"/>
           </a:p>
           <a:p>
             <a:endParaRPr lang="en-US" baseline="0" dirty="0" smtClean="0"/>
@@ -2100,7 +2113,15 @@
           <a:p>
             <a:r>
               <a:rPr lang="en-US" baseline="0" dirty="0" smtClean="0"/>
-              <a:t>I can deploy my app with a single command, it will get access to all services available from the </a:t>
+              <a:t>I can deploy my app with a single </a:t>
+            </a:r>
+            <a:r>
+              <a:rPr lang="en-US" baseline="0" dirty="0" smtClean="0"/>
+              <a:t>push command</a:t>
+            </a:r>
+            <a:r>
+              <a:rPr lang="en-US" baseline="0" dirty="0" smtClean="0"/>
+              <a:t>, it will get access to all services available from the </a:t>
             </a:r>
             <a:r>
               <a:rPr lang="en-US" baseline="0" dirty="0" err="1" smtClean="0"/>
@@ -2108,7 +2129,11 @@
             </a:r>
             <a:r>
               <a:rPr lang="en-US" baseline="0" dirty="0" smtClean="0"/>
-              <a:t>, right now my app consists of a load balancer, an </a:t>
+              <a:t>, right now my app consists of a load balancer, </a:t>
+            </a:r>
+            <a:r>
+              <a:rPr lang="en-US" baseline="0" dirty="0" smtClean="0"/>
+              <a:t>and an </a:t>
             </a:r>
             <a:r>
               <a:rPr lang="en-US" baseline="0" dirty="0" err="1" smtClean="0"/>
@@ -2116,16 +2141,44 @@
             </a:r>
             <a:r>
               <a:rPr lang="en-US" baseline="0" dirty="0" smtClean="0"/>
-              <a:t>, and a database. </a:t>
-            </a:r>
-          </a:p>
-          <a:p>
+              <a:t>. </a:t>
+            </a:r>
             <a:endParaRPr lang="en-US" baseline="0" dirty="0" smtClean="0"/>
           </a:p>
           <a:p>
-            <a:r>
-              <a:rPr lang="en-US" baseline="0" dirty="0" smtClean="0"/>
-              <a:t>If I want to change the infrastructure I can do it easily. I can for example scale up by adding more juice like this (</a:t>
+            <a:endParaRPr lang="en-US" baseline="0" dirty="0" smtClean="0"/>
+          </a:p>
+          <a:p>
+            <a:r>
+              <a:rPr lang="en-US" baseline="0" dirty="0" smtClean="0"/>
+              <a:t>If I want to change the infrastructure I can do it easily. I can for example </a:t>
+            </a:r>
+            <a:r>
+              <a:rPr lang="en-US" baseline="0" dirty="0" smtClean="0"/>
+              <a:t>add databases, message queues, or scale </a:t>
+            </a:r>
+            <a:r>
+              <a:rPr lang="en-US" baseline="0" dirty="0" smtClean="0"/>
+              <a:t>up by adding more </a:t>
+            </a:r>
+            <a:r>
+              <a:rPr lang="en-US" baseline="0" dirty="0" smtClean="0"/>
+              <a:t>memory,</a:t>
+            </a:r>
+            <a:endParaRPr lang="en-US" baseline="0" dirty="0" smtClean="0"/>
+          </a:p>
+          <a:p>
+            <a:r>
+              <a:rPr lang="en-US" baseline="0" dirty="0" smtClean="0"/>
+              <a:t>or scale out </a:t>
+            </a:r>
+            <a:r>
+              <a:rPr lang="en-US" baseline="0" dirty="0" smtClean="0"/>
+              <a:t>adding more app nodes like </a:t>
+            </a:r>
+            <a:r>
+              <a:rPr lang="en-US" baseline="0" dirty="0" smtClean="0"/>
+              <a:t>this (</a:t>
             </a:r>
             <a:r>
               <a:rPr lang="en-US" baseline="0" dirty="0" err="1" smtClean="0"/>
@@ -2133,20 +2186,6 @@
             </a:r>
             <a:r>
               <a:rPr lang="en-US" baseline="0" dirty="0" smtClean="0"/>
-              <a:t> scale –m 1024M),</a:t>
-            </a:r>
-          </a:p>
-          <a:p>
-            <a:r>
-              <a:rPr lang="en-US" baseline="0" dirty="0" smtClean="0"/>
-              <a:t>or scale out like this (</a:t>
-            </a:r>
-            <a:r>
-              <a:rPr lang="en-US" baseline="0" dirty="0" err="1" smtClean="0"/>
-              <a:t>cf</a:t>
-            </a:r>
-            <a:r>
-              <a:rPr lang="en-US" baseline="0" dirty="0" smtClean="0"/>
               <a:t> scale –</a:t>
             </a:r>
             <a:r>
@@ -2155,18 +2194,21 @@
             </a:r>
             <a:r>
               <a:rPr lang="en-US" baseline="0" dirty="0" smtClean="0"/>
-              <a:t> 5).. Or add a caching server, a message queue, a </a:t>
-            </a:r>
-            <a:r>
-              <a:rPr lang="en-US" baseline="0" dirty="0" err="1" smtClean="0"/>
-              <a:t>fileshare</a:t>
-            </a:r>
-            <a:r>
-              <a:rPr lang="en-US" baseline="0" dirty="0" smtClean="0"/>
-              <a:t> etc.</a:t>
-            </a:r>
-          </a:p>
-          <a:p>
+              <a:t> 5)</a:t>
+            </a:r>
+            <a:r>
+              <a:rPr lang="en-US" baseline="0" dirty="0" smtClean="0"/>
+              <a:t>.</a:t>
+            </a:r>
+          </a:p>
+          <a:p>
+            <a:endParaRPr lang="en-US" baseline="0" dirty="0" smtClean="0"/>
+          </a:p>
+          <a:p>
+            <a:r>
+              <a:rPr lang="en-US" baseline="0" dirty="0" smtClean="0"/>
+              <a:t>Wow, I added 50 nodes </a:t>
+            </a:r>
             <a:endParaRPr lang="en-US" baseline="0" dirty="0" smtClean="0"/>
           </a:p>
           <a:p>
@@ -2552,7 +2594,15 @@
             </a:r>
             <a:r>
               <a:rPr lang="en-US" baseline="0" dirty="0" smtClean="0"/>
-              <a:t> run it on your local machine, a integration test server, to the customer or to a public cloud provider. Without changing anything. </a:t>
+              <a:t> run it on your local machine, a integration test server, </a:t>
+            </a:r>
+            <a:r>
+              <a:rPr lang="en-US" baseline="0" dirty="0" smtClean="0"/>
+              <a:t>deploy it to a </a:t>
+            </a:r>
+            <a:r>
+              <a:rPr lang="en-US" baseline="0" dirty="0" smtClean="0"/>
+              <a:t>customer or to a public cloud provider. Without changing anything. </a:t>
             </a:r>
           </a:p>
           <a:p>
@@ -2561,16 +2611,13 @@
           <a:p>
             <a:r>
               <a:rPr lang="en-US" baseline="0" dirty="0" smtClean="0"/>
-              <a:t>You will always have the exact same environment, </a:t>
-            </a:r>
-            <a:r>
-              <a:rPr lang="en-US" baseline="0" dirty="0" err="1" smtClean="0"/>
-              <a:t>os</a:t>
-            </a:r>
-            <a:r>
-              <a:rPr lang="en-US" baseline="0" dirty="0" smtClean="0"/>
-              <a:t> etc..</a:t>
-            </a:r>
+              <a:t>You will always have the exact same </a:t>
+            </a:r>
+            <a:r>
+              <a:rPr lang="en-US" baseline="0" dirty="0" smtClean="0"/>
+              <a:t>environment</a:t>
+            </a:r>
+            <a:endParaRPr lang="en-US" baseline="0" dirty="0" smtClean="0"/>
           </a:p>
         </p:txBody>
       </p:sp>
@@ -2656,7 +2703,11 @@
           <a:p>
             <a:r>
               <a:rPr lang="en-US" baseline="0" dirty="0" smtClean="0"/>
-              <a:t>And you can stack multiple containers together on the same servers. </a:t>
+              <a:t>you </a:t>
+            </a:r>
+            <a:r>
+              <a:rPr lang="en-US" baseline="0" dirty="0" smtClean="0"/>
+              <a:t>can stack multiple containers together on the same servers. </a:t>
             </a:r>
           </a:p>
           <a:p>
@@ -2798,19 +2849,15 @@
             </a:pPr>
             <a:r>
               <a:rPr lang="en-US" baseline="0" dirty="0" smtClean="0"/>
-              <a:t>u</a:t>
-            </a:r>
-            <a:r>
-              <a:rPr lang="en-US" baseline="0" smtClean="0"/>
-              <a:t>tilizing </a:t>
-            </a:r>
-            <a:r>
-              <a:rPr lang="en-US" baseline="0" dirty="0" err="1" smtClean="0"/>
-              <a:t>amacon</a:t>
-            </a:r>
-            <a:r>
-              <a:rPr lang="en-US" baseline="0" dirty="0" smtClean="0"/>
-              <a:t> ec2 instances and automatically scale your app when load increases</a:t>
+              <a:t>utilizing </a:t>
+            </a:r>
+            <a:r>
+              <a:rPr lang="en-US" baseline="0" dirty="0" smtClean="0"/>
+              <a:t>amazon </a:t>
+            </a:r>
+            <a:r>
+              <a:rPr lang="en-US" baseline="0" dirty="0" smtClean="0"/>
+              <a:t>ec2 instances and automatically scale your app when load increases</a:t>
             </a:r>
           </a:p>
           <a:p>
@@ -7182,14 +7229,23 @@
           </a:xfrm>
         </p:spPr>
         <p:txBody>
-          <a:bodyPr/>
+          <a:bodyPr>
+            <a:normAutofit/>
+          </a:bodyPr>
           <a:lstStyle/>
           <a:p>
-            <a:r>
-              <a:rPr lang="en-US" dirty="0" smtClean="0"/>
-              <a:t>Bjørn Nordlund</a:t>
-            </a:r>
-            <a:endParaRPr lang="en-US" dirty="0"/>
+            <a:endParaRPr lang="en-US" sz="2800" dirty="0" smtClean="0"/>
+          </a:p>
+          <a:p>
+            <a:r>
+              <a:rPr lang="en-US" sz="2800" dirty="0" smtClean="0"/>
+              <a:t>Bjørn </a:t>
+            </a:r>
+            <a:r>
+              <a:rPr lang="en-US" sz="2800" dirty="0" smtClean="0"/>
+              <a:t>Nordlund</a:t>
+            </a:r>
+            <a:endParaRPr lang="en-US" sz="2800" dirty="0"/>
           </a:p>
         </p:txBody>
       </p:sp>
@@ -7215,8 +7271,8 @@
         </p:blipFill>
         <p:spPr>
           <a:xfrm>
-            <a:off x="2983673" y="258285"/>
-            <a:ext cx="3199294" cy="2647416"/>
+            <a:off x="3105448" y="258285"/>
+            <a:ext cx="2931114" cy="2425497"/>
           </a:xfrm>
           <a:prstGeom prst="rect">
             <a:avLst/>
@@ -7263,7 +7319,7 @@
         <p:spPr>
           <a:xfrm>
             <a:off x="2522482" y="6136418"/>
-            <a:ext cx="4073200" cy="369332"/>
+            <a:ext cx="4505260" cy="400110"/>
           </a:xfrm>
           <a:prstGeom prst="rect">
             <a:avLst/>
@@ -7277,30 +7333,58 @@
           <a:lstStyle/>
           <a:p>
             <a:r>
-              <a:rPr lang="en-US" dirty="0"/>
+              <a:rPr lang="en-US" sz="2000" dirty="0">
+                <a:solidFill>
+                  <a:srgbClr val="000000"/>
+                </a:solidFill>
+              </a:rPr>
               <a:t>https://</a:t>
             </a:r>
             <a:r>
-              <a:rPr lang="en-US" dirty="0" err="1"/>
+              <a:rPr lang="en-US" sz="2000" dirty="0" err="1">
+                <a:solidFill>
+                  <a:srgbClr val="000000"/>
+                </a:solidFill>
+              </a:rPr>
               <a:t>github.com</a:t>
             </a:r>
             <a:r>
-              <a:rPr lang="en-US" dirty="0"/>
+              <a:rPr lang="en-US" sz="2000" dirty="0">
+                <a:solidFill>
+                  <a:srgbClr val="000000"/>
+                </a:solidFill>
+              </a:rPr>
               <a:t>/</a:t>
             </a:r>
             <a:r>
-              <a:rPr lang="en-US" dirty="0" err="1"/>
+              <a:rPr lang="en-US" sz="2000" dirty="0" err="1">
+                <a:solidFill>
+                  <a:srgbClr val="000000"/>
+                </a:solidFill>
+              </a:rPr>
               <a:t>bjornno</a:t>
             </a:r>
             <a:r>
-              <a:rPr lang="en-US" dirty="0"/>
+              <a:rPr lang="en-US" sz="2000" dirty="0">
+                <a:solidFill>
+                  <a:srgbClr val="000000"/>
+                </a:solidFill>
+              </a:rPr>
               <a:t>/</a:t>
             </a:r>
             <a:r>
-              <a:rPr lang="en-US" dirty="0" err="1"/>
+              <a:rPr lang="en-US" sz="2000" dirty="0" err="1">
+                <a:solidFill>
+                  <a:srgbClr val="000000"/>
+                </a:solidFill>
+              </a:rPr>
               <a:t>dockerdemo</a:t>
             </a:r>
-            <a:endParaRPr lang="en-US" dirty="0"/>
+            <a:endParaRPr lang="en-US" sz="2000" dirty="0">
+              <a:solidFill>
+                <a:srgbClr val="000000"/>
+              </a:solidFill>
+            </a:endParaRPr>
           </a:p>
         </p:txBody>
       </p:sp>
@@ -8075,14 +8159,14 @@
             <p:ph idx="1"/>
             <p:extLst>
               <p:ext uri="{D42A27DB-BD31-4B8C-83A1-F6EECF244321}">
-                <p14:modId xmlns:p14="http://schemas.microsoft.com/office/powerpoint/2010/main" val="1015767243"/>
+                <p14:modId xmlns:p14="http://schemas.microsoft.com/office/powerpoint/2010/main" val="2218935436"/>
               </p:ext>
             </p:extLst>
           </p:nvPr>
         </p:nvGraphicFramePr>
         <p:xfrm>
           <a:off x="457198" y="1461301"/>
-          <a:ext cx="8229605" cy="4493596"/>
+          <a:ext cx="8229604" cy="4493596"/>
         </p:xfrm>
         <a:graphic>
           <a:graphicData uri="http://schemas.openxmlformats.org/drawingml/2006/table">
@@ -8091,11 +8175,10 @@
                 <a:tableStyleId>{5C22544A-7EE6-4342-B048-85BDC9FD1C3A}</a:tableStyleId>
               </a:tblPr>
               <a:tblGrid>
-                <a:gridCol w="1645921"/>
-                <a:gridCol w="1645921"/>
-                <a:gridCol w="1645921"/>
-                <a:gridCol w="1645921"/>
-                <a:gridCol w="1645921"/>
+                <a:gridCol w="2057401"/>
+                <a:gridCol w="2057401"/>
+                <a:gridCol w="2057401"/>
+                <a:gridCol w="2057401"/>
               </a:tblGrid>
               <a:tr h="1123399">
                 <a:tc>
@@ -8130,20 +8213,6 @@
                       <a:r>
                         <a:rPr lang="en-US" sz="2000" dirty="0" smtClean="0"/>
                         <a:t>Boot</a:t>
-                      </a:r>
-                      <a:endParaRPr lang="en-US" sz="2000" dirty="0"/>
-                    </a:p>
-                  </a:txBody>
-                  <a:tcPr/>
-                </a:tc>
-                <a:tc>
-                  <a:txBody>
-                    <a:bodyPr/>
-                    <a:lstStyle/>
-                    <a:p>
-                      <a:r>
-                        <a:rPr lang="en-US" sz="2000" dirty="0" smtClean="0"/>
-                        <a:t>Typical Size</a:t>
                       </a:r>
                       <a:endParaRPr lang="en-US" sz="2000" dirty="0"/>
                     </a:p>
@@ -8215,20 +8284,6 @@
                     <a:p>
                       <a:r>
                         <a:rPr lang="en-US" sz="2000" dirty="0" smtClean="0"/>
-                        <a:t>&gt; GB</a:t>
-                      </a:r>
-                      <a:endParaRPr lang="en-US" sz="2000" dirty="0"/>
-                    </a:p>
-                  </a:txBody>
-                  <a:tcPr/>
-                </a:tc>
-                <a:tc>
-                  <a:txBody>
-                    <a:bodyPr/>
-                    <a:lstStyle/>
-                    <a:p>
-                      <a:r>
-                        <a:rPr lang="en-US" sz="2000" dirty="0" smtClean="0"/>
                         <a:t>1</a:t>
                       </a:r>
                       <a:endParaRPr lang="en-US" sz="2000" dirty="0"/>
@@ -8275,30 +8330,6 @@
                         <a:rPr lang="en-US" sz="2000" dirty="0" smtClean="0"/>
                         <a:t>seconds</a:t>
                       </a:r>
-                      <a:endParaRPr lang="en-US" sz="2000" dirty="0"/>
-                    </a:p>
-                  </a:txBody>
-                  <a:tcPr/>
-                </a:tc>
-                <a:tc>
-                  <a:txBody>
-                    <a:bodyPr/>
-                    <a:lstStyle/>
-                    <a:p>
-                      <a:r>
-                        <a:rPr lang="en-US" sz="2000" dirty="0" smtClean="0"/>
-                        <a:t>&gt;</a:t>
-                      </a:r>
-                      <a:r>
-                        <a:rPr lang="en-US" sz="2000" baseline="0" dirty="0" smtClean="0"/>
-                        <a:t> </a:t>
-                      </a:r>
-                      <a:r>
-                        <a:rPr lang="en-US" sz="2000" dirty="0" smtClean="0"/>
-                        <a:t>GB</a:t>
-                      </a:r>
-                    </a:p>
-                    <a:p>
                       <a:endParaRPr lang="en-US" sz="2000" dirty="0"/>
                     </a:p>
                   </a:txBody>
@@ -8369,20 +8400,6 @@
                     <a:p>
                       <a:r>
                         <a:rPr lang="en-US" sz="2000" dirty="0" smtClean="0"/>
-                        <a:t>~150MB</a:t>
-                      </a:r>
-                      <a:endParaRPr lang="en-US" sz="2000" dirty="0"/>
-                    </a:p>
-                  </a:txBody>
-                  <a:tcPr/>
-                </a:tc>
-                <a:tc>
-                  <a:txBody>
-                    <a:bodyPr/>
-                    <a:lstStyle/>
-                    <a:p>
-                      <a:r>
-                        <a:rPr lang="en-US" sz="2000" dirty="0" smtClean="0"/>
                         <a:t>100-1000</a:t>
                       </a:r>
                       <a:endParaRPr lang="en-US" sz="2000" dirty="0"/>
@@ -8546,83 +8563,139 @@
         </p:nvSpPr>
         <p:spPr/>
         <p:txBody>
-          <a:bodyPr/>
+          <a:bodyPr>
+            <a:normAutofit/>
+          </a:bodyPr>
           <a:lstStyle/>
           <a:p>
             <a:pPr marL="0" indent="0">
               <a:buNone/>
             </a:pPr>
             <a:r>
-              <a:rPr lang="en-US" dirty="0"/>
+              <a:rPr lang="en-US" sz="2400" dirty="0"/>
               <a:t>FROM </a:t>
             </a:r>
             <a:r>
-              <a:rPr lang="en-US" dirty="0" err="1"/>
+              <a:rPr lang="en-US" sz="2400" dirty="0" err="1"/>
               <a:t>bjornno</a:t>
             </a:r>
             <a:r>
-              <a:rPr lang="en-US" dirty="0"/>
-              <a:t>/ruby</a:t>
-            </a:r>
+              <a:rPr lang="en-US" sz="2400" dirty="0"/>
+              <a:t>/</a:t>
+            </a:r>
+            <a:r>
+              <a:rPr lang="en-US" sz="2400" dirty="0" err="1"/>
+              <a:t>ubuntu</a:t>
+            </a:r>
+            <a:endParaRPr lang="en-US" sz="2400" dirty="0"/>
           </a:p>
           <a:p>
             <a:pPr marL="0" indent="0">
               <a:buNone/>
             </a:pPr>
             <a:r>
-              <a:rPr lang="en-US" dirty="0"/>
-              <a:t>ADD . /</a:t>
-            </a:r>
+              <a:rPr lang="en-US" sz="2400" dirty="0"/>
+              <a:t>RUN </a:t>
+            </a:r>
+            <a:r>
+              <a:rPr lang="en-US" sz="2400" dirty="0" err="1"/>
+              <a:t>git</a:t>
+            </a:r>
+            <a:r>
+              <a:rPr lang="en-US" sz="2400" dirty="0"/>
+              <a:t> clone https://</a:t>
+            </a:r>
+            <a:r>
+              <a:rPr lang="en-US" sz="2400" dirty="0" err="1"/>
+              <a:t>github.com</a:t>
+            </a:r>
+            <a:r>
+              <a:rPr lang="en-US" sz="2400" dirty="0"/>
+              <a:t>/</a:t>
+            </a:r>
+            <a:r>
+              <a:rPr lang="en-US" sz="2400" dirty="0" err="1"/>
+              <a:t>bjornno</a:t>
+            </a:r>
+            <a:r>
+              <a:rPr lang="en-US" sz="2400" dirty="0"/>
+              <a:t>/</a:t>
+            </a:r>
+            <a:r>
+              <a:rPr lang="en-US" sz="2400" dirty="0" err="1"/>
+              <a:t>dockerdemo.git</a:t>
+            </a:r>
+            <a:endParaRPr lang="en-US" sz="2400" dirty="0"/>
           </a:p>
           <a:p>
             <a:pPr marL="0" indent="0">
               <a:buNone/>
             </a:pPr>
             <a:r>
-              <a:rPr lang="en-US" dirty="0"/>
-              <a:t>RUN bundle install</a:t>
-            </a:r>
+              <a:rPr lang="en-US" sz="2400" dirty="0"/>
+              <a:t>WORKDIR /</a:t>
+            </a:r>
+            <a:r>
+              <a:rPr lang="en-US" sz="2400" dirty="0" err="1"/>
+              <a:t>dockerdemo</a:t>
+            </a:r>
+            <a:endParaRPr lang="en-US" sz="2400" dirty="0"/>
           </a:p>
           <a:p>
             <a:pPr marL="0" indent="0">
               <a:buNone/>
             </a:pPr>
             <a:r>
-              <a:rPr lang="en-US" dirty="0"/>
-              <a:t>CMD ["</a:t>
-            </a:r>
-            <a:r>
-              <a:rPr lang="en-US" dirty="0" err="1"/>
-              <a:t>rackup</a:t>
-            </a:r>
-            <a:r>
-              <a:rPr lang="en-US" dirty="0"/>
-              <a:t>"]</a:t>
+              <a:rPr lang="en-US" sz="2400" dirty="0"/>
+              <a:t>RUN bundle </a:t>
             </a:r>
           </a:p>
           <a:p>
             <a:pPr marL="0" indent="0">
               <a:buNone/>
             </a:pPr>
-            <a:endParaRPr lang="en-US" dirty="0"/>
+            <a:r>
+              <a:rPr lang="en-US" sz="2400" dirty="0"/>
+              <a:t>CMD ["</a:t>
+            </a:r>
+            <a:r>
+              <a:rPr lang="en-US" sz="2400" dirty="0" err="1"/>
+              <a:t>rackup</a:t>
+            </a:r>
+            <a:r>
+              <a:rPr lang="en-US" sz="2400" dirty="0"/>
+              <a:t>"]</a:t>
+            </a:r>
           </a:p>
           <a:p>
             <a:pPr marL="0" indent="0">
               <a:buNone/>
             </a:pPr>
-            <a:endParaRPr lang="en-US" dirty="0"/>
+            <a:endParaRPr lang="en-US" sz="2400" dirty="0"/>
           </a:p>
           <a:p>
             <a:pPr marL="0" indent="0">
               <a:buNone/>
             </a:pPr>
-            <a:endParaRPr lang="en-US" dirty="0"/>
+            <a:endParaRPr lang="en-US" sz="2400" dirty="0"/>
           </a:p>
           <a:p>
             <a:pPr marL="0" indent="0">
               <a:buNone/>
             </a:pPr>
-            <a:endParaRPr lang="en-US" dirty="0"/>
+            <a:endParaRPr lang="en-US" sz="2400" dirty="0"/>
+          </a:p>
+          <a:p>
+            <a:pPr marL="0" indent="0">
+              <a:buNone/>
+            </a:pPr>
+            <a:endParaRPr lang="en-US" sz="2400" dirty="0"/>
+          </a:p>
+          <a:p>
+            <a:pPr marL="0" indent="0">
+              <a:buNone/>
+            </a:pPr>
+            <a:endParaRPr lang="en-US" sz="2400" dirty="0"/>
           </a:p>
         </p:txBody>
       </p:sp>
@@ -9450,8 +9523,8 @@
         </p:nvSpPr>
         <p:spPr>
           <a:xfrm>
-            <a:off x="2522482" y="6321084"/>
-            <a:ext cx="4073200" cy="369332"/>
+            <a:off x="2522482" y="6268899"/>
+            <a:ext cx="4505260" cy="400110"/>
           </a:xfrm>
           <a:prstGeom prst="rect">
             <a:avLst/>
@@ -9465,30 +9538,30 @@
           <a:lstStyle/>
           <a:p>
             <a:r>
-              <a:rPr lang="en-US" dirty="0"/>
+              <a:rPr lang="en-US" sz="2000" dirty="0"/>
               <a:t>https://</a:t>
             </a:r>
             <a:r>
-              <a:rPr lang="en-US" dirty="0" err="1"/>
+              <a:rPr lang="en-US" sz="2000" dirty="0" err="1"/>
               <a:t>github.com</a:t>
             </a:r>
             <a:r>
-              <a:rPr lang="en-US" dirty="0"/>
+              <a:rPr lang="en-US" sz="2000" dirty="0"/>
               <a:t>/</a:t>
             </a:r>
             <a:r>
-              <a:rPr lang="en-US" dirty="0" err="1"/>
+              <a:rPr lang="en-US" sz="2000" dirty="0" err="1"/>
               <a:t>bjornno</a:t>
             </a:r>
             <a:r>
-              <a:rPr lang="en-US" dirty="0"/>
+              <a:rPr lang="en-US" sz="2000" dirty="0"/>
               <a:t>/</a:t>
             </a:r>
             <a:r>
-              <a:rPr lang="en-US" dirty="0" err="1"/>
+              <a:rPr lang="en-US" sz="2000" dirty="0" err="1"/>
               <a:t>dockerdemo</a:t>
             </a:r>
-            <a:endParaRPr lang="en-US" dirty="0"/>
+            <a:endParaRPr lang="en-US" sz="2000" dirty="0"/>
           </a:p>
         </p:txBody>
       </p:sp>

--- a/docker-techzone.pptx
+++ b/docker-techzone.pptx
@@ -205,7 +205,7 @@
           <a:p>
             <a:fld id="{6A642AAD-2F04-8249-9257-3147036E12AF}" type="datetimeFigureOut">
               <a:rPr lang="en-US" smtClean="0"/>
-              <a:t>13/05/14</a:t>
+              <a:t>14/05/14</a:t>
             </a:fld>
             <a:endParaRPr lang="en-US"/>
           </a:p>
@@ -553,15 +553,7 @@
             </a:r>
             <a:r>
               <a:rPr lang="en-US" baseline="0" dirty="0" smtClean="0"/>
-              <a:t> an open </a:t>
-            </a:r>
-            <a:r>
-              <a:rPr lang="en-US" baseline="0" dirty="0" smtClean="0"/>
-              <a:t>source </a:t>
-            </a:r>
-            <a:r>
-              <a:rPr lang="en-US" baseline="0" dirty="0" smtClean="0"/>
-              <a:t>implementation, it’s similar to other tools used by </a:t>
+              <a:t> an open source implementation, it’s similar to other tools used by </a:t>
             </a:r>
           </a:p>
           <a:p>
@@ -712,13 +704,11 @@
           <a:p>
             <a:r>
               <a:rPr lang="en-US" baseline="0" dirty="0" smtClean="0"/>
-              <a:t>You can create new images, commit their state, push/pull to a repository, </a:t>
-            </a:r>
-          </a:p>
-          <a:p>
-            <a:r>
-              <a:rPr lang="en-US" baseline="0" dirty="0" smtClean="0"/>
-              <a:t>You get version history, automated build scripts and a bunch of other </a:t>
+              <a:t>You can create new images, commit their state, push/pull to a </a:t>
+            </a:r>
+            <a:r>
+              <a:rPr lang="en-US" baseline="0" dirty="0" smtClean="0"/>
+              <a:t>repository scripts and a bunch of other </a:t>
             </a:r>
             <a:r>
               <a:rPr lang="en-US" baseline="0" dirty="0" err="1" smtClean="0"/>
@@ -726,10 +716,8 @@
             </a:r>
             <a:r>
               <a:rPr lang="en-US" baseline="0" dirty="0" smtClean="0"/>
-              <a:t> features.</a:t>
-            </a:r>
-          </a:p>
-          <a:p>
+              <a:t> features. </a:t>
+            </a:r>
             <a:endParaRPr lang="en-US" dirty="0" smtClean="0"/>
           </a:p>
           <a:p>
@@ -1127,8 +1115,15 @@
           <a:p>
             <a:r>
               <a:rPr lang="en-US" baseline="0" dirty="0" smtClean="0"/>
-              <a:t>It is really fast, adds marginally overhead to memory, processing and size.</a:t>
-            </a:r>
+              <a:t>It is really fast, </a:t>
+            </a:r>
+            <a:r>
+              <a:rPr lang="en-US" baseline="0" dirty="0" smtClean="0"/>
+              <a:t>little overhead both for memory, processing and size.</a:t>
+            </a:r>
+          </a:p>
+          <a:p>
+            <a:endParaRPr lang="en-US" baseline="0" dirty="0" smtClean="0"/>
           </a:p>
           <a:p>
             <a:r>
@@ -1689,13 +1684,8 @@
             </a:r>
             <a:r>
               <a:rPr lang="en-US" baseline="0" dirty="0" smtClean="0"/>
-              <a:t> for building a container), that is checked in with your </a:t>
-            </a:r>
-            <a:r>
-              <a:rPr lang="en-US" baseline="0" dirty="0" smtClean="0"/>
-              <a:t>application source code.</a:t>
-            </a:r>
-            <a:endParaRPr lang="en-US" baseline="0" dirty="0" smtClean="0"/>
+              <a:t> for building a container), that is checked in with your application source code.</a:t>
+            </a:r>
           </a:p>
           <a:p>
             <a:endParaRPr lang="en-US" baseline="0" dirty="0" smtClean="0"/>
@@ -1894,43 +1884,12 @@
           </a:p>
           <a:p>
             <a:r>
-              <a:rPr lang="en-US" baseline="0" dirty="0" smtClean="0"/>
-              <a:t>I hope you’ve seen that it could be a useful tool on its own to run multiple environments really cheap on your pc,</a:t>
-            </a:r>
-          </a:p>
-          <a:p>
-            <a:r>
-              <a:rPr lang="en-US" baseline="0" dirty="0" smtClean="0"/>
-              <a:t>Always have a clean </a:t>
-            </a:r>
-            <a:r>
-              <a:rPr lang="en-US" baseline="0" dirty="0" err="1" smtClean="0"/>
-              <a:t>ubuntu</a:t>
-            </a:r>
-            <a:r>
-              <a:rPr lang="en-US" baseline="0" dirty="0" smtClean="0"/>
-              <a:t> at your hands.</a:t>
-            </a:r>
-          </a:p>
-          <a:p>
-            <a:r>
-              <a:rPr lang="en-US" baseline="0" dirty="0" smtClean="0"/>
-              <a:t>Or you can package a ready application image from your source code that you can share out.</a:t>
-            </a:r>
-          </a:p>
-          <a:p>
-            <a:r>
-              <a:rPr lang="en-US" baseline="0" dirty="0" smtClean="0"/>
-              <a:t>Or it could be used for automated integration testing.</a:t>
-            </a:r>
-          </a:p>
-          <a:p>
-            <a:endParaRPr lang="en-US" baseline="0" dirty="0" smtClean="0"/>
-          </a:p>
-          <a:p>
-            <a:r>
-              <a:rPr lang="en-US" baseline="0" dirty="0" smtClean="0"/>
-              <a:t>And that you have some ideas how </a:t>
+              <a:rPr lang="en-US" dirty="0" smtClean="0"/>
+              <a:t>I hope you now know a little more how the cloud</a:t>
+            </a:r>
+            <a:r>
+              <a:rPr lang="en-US" baseline="0" dirty="0" smtClean="0"/>
+              <a:t> and </a:t>
             </a:r>
             <a:r>
               <a:rPr lang="en-US" baseline="0" dirty="0" err="1" smtClean="0"/>
@@ -1938,33 +1897,15 @@
             </a:r>
             <a:r>
               <a:rPr lang="en-US" baseline="0" dirty="0" smtClean="0"/>
-              <a:t> solutions works internally, or even how to build your own </a:t>
-            </a:r>
-            <a:r>
-              <a:rPr lang="en-US" baseline="0" dirty="0" err="1" smtClean="0"/>
-              <a:t>PaaS</a:t>
-            </a:r>
-            <a:r>
-              <a:rPr lang="en-US" baseline="0" dirty="0" smtClean="0"/>
-              <a:t>.</a:t>
-            </a:r>
-          </a:p>
-          <a:p>
-            <a:endParaRPr lang="en-US" baseline="0" dirty="0" smtClean="0"/>
-          </a:p>
-          <a:p>
-            <a:r>
-              <a:rPr lang="en-US" baseline="0" dirty="0" smtClean="0"/>
-              <a:t>I guess you will be better of by using for example cloud foundry or other hosted </a:t>
-            </a:r>
-            <a:r>
-              <a:rPr lang="en-US" baseline="0" dirty="0" err="1" smtClean="0"/>
-              <a:t>paas</a:t>
-            </a:r>
-            <a:r>
-              <a:rPr lang="en-US" baseline="0" dirty="0" smtClean="0"/>
-              <a:t> solutions as it is a lot more going on to actually run such an environment.</a:t>
-            </a:r>
+              <a:t> solutions works.</a:t>
+            </a:r>
+          </a:p>
+          <a:p>
+            <a:r>
+              <a:rPr lang="en-US" baseline="0" dirty="0" smtClean="0"/>
+              <a:t>And that you could use the same tools locally for packaging your apps, testing, and deploying.</a:t>
+            </a:r>
+            <a:endParaRPr lang="en-US" dirty="0" smtClean="0"/>
           </a:p>
           <a:p>
             <a:endParaRPr lang="en-US" baseline="0" dirty="0" smtClean="0"/>
@@ -2093,18 +2034,42 @@
             </a:r>
             <a:r>
               <a:rPr lang="en-US" baseline="0" dirty="0" smtClean="0"/>
-              <a:t> that runs in a </a:t>
+              <a:t> that runs in </a:t>
+            </a:r>
+            <a:r>
+              <a:rPr lang="en-US" baseline="0" dirty="0" smtClean="0"/>
+              <a:t>Cloud Foundry, an open source </a:t>
             </a:r>
             <a:r>
               <a:rPr lang="en-US" baseline="0" dirty="0" err="1" smtClean="0"/>
-              <a:t>PaaS</a:t>
+              <a:t>paas</a:t>
+            </a:r>
+            <a:r>
+              <a:rPr lang="en-US" baseline="0" dirty="0" smtClean="0"/>
+              <a:t> solution.</a:t>
             </a:r>
             <a:endParaRPr lang="en-US" baseline="0" dirty="0" smtClean="0"/>
           </a:p>
           <a:p>
             <a:r>
               <a:rPr lang="en-US" baseline="0" dirty="0" smtClean="0"/>
-              <a:t>Actually in cloud foundry that is currently hosted on my laptop </a:t>
+              <a:t>Actually </a:t>
+            </a:r>
+            <a:r>
+              <a:rPr lang="en-US" baseline="0" dirty="0" smtClean="0"/>
+              <a:t>a </a:t>
+            </a:r>
+            <a:r>
+              <a:rPr lang="en-US" baseline="0" dirty="0" smtClean="0"/>
+              <a:t>cloud foundry </a:t>
+            </a:r>
+            <a:r>
+              <a:rPr lang="en-US" baseline="0" dirty="0" smtClean="0"/>
+              <a:t>hosted </a:t>
+            </a:r>
+            <a:r>
+              <a:rPr lang="en-US" baseline="0" dirty="0" smtClean="0"/>
+              <a:t>on my laptop </a:t>
             </a:r>
           </a:p>
           <a:p>
@@ -2113,15 +2078,7 @@
           <a:p>
             <a:r>
               <a:rPr lang="en-US" baseline="0" dirty="0" smtClean="0"/>
-              <a:t>I can deploy my app with a single </a:t>
-            </a:r>
-            <a:r>
-              <a:rPr lang="en-US" baseline="0" dirty="0" smtClean="0"/>
-              <a:t>push command</a:t>
-            </a:r>
-            <a:r>
-              <a:rPr lang="en-US" baseline="0" dirty="0" smtClean="0"/>
-              <a:t>, it will get access to all services available from the </a:t>
+              <a:t>I can deploy my app with a single push command, it will get access to all services available from the </a:t>
             </a:r>
             <a:r>
               <a:rPr lang="en-US" baseline="0" dirty="0" err="1" smtClean="0"/>
@@ -2129,11 +2086,7 @@
             </a:r>
             <a:r>
               <a:rPr lang="en-US" baseline="0" dirty="0" smtClean="0"/>
-              <a:t>, right now my app consists of a load balancer, </a:t>
-            </a:r>
-            <a:r>
-              <a:rPr lang="en-US" baseline="0" dirty="0" smtClean="0"/>
-              <a:t>and an </a:t>
+              <a:t>, right now my app consists of a load balancer, and an </a:t>
             </a:r>
             <a:r>
               <a:rPr lang="en-US" baseline="0" dirty="0" err="1" smtClean="0"/>
@@ -2143,42 +2096,20 @@
               <a:rPr lang="en-US" baseline="0" dirty="0" smtClean="0"/>
               <a:t>. </a:t>
             </a:r>
+          </a:p>
+          <a:p>
             <a:endParaRPr lang="en-US" baseline="0" dirty="0" smtClean="0"/>
           </a:p>
           <a:p>
-            <a:endParaRPr lang="en-US" baseline="0" dirty="0" smtClean="0"/>
-          </a:p>
-          <a:p>
-            <a:r>
-              <a:rPr lang="en-US" baseline="0" dirty="0" smtClean="0"/>
-              <a:t>If I want to change the infrastructure I can do it easily. I can for example </a:t>
-            </a:r>
-            <a:r>
-              <a:rPr lang="en-US" baseline="0" dirty="0" smtClean="0"/>
-              <a:t>add databases, message queues, or scale </a:t>
-            </a:r>
-            <a:r>
-              <a:rPr lang="en-US" baseline="0" dirty="0" smtClean="0"/>
-              <a:t>up by adding more </a:t>
-            </a:r>
-            <a:r>
-              <a:rPr lang="en-US" baseline="0" dirty="0" smtClean="0"/>
-              <a:t>memory,</a:t>
-            </a:r>
-            <a:endParaRPr lang="en-US" baseline="0" dirty="0" smtClean="0"/>
-          </a:p>
-          <a:p>
-            <a:r>
-              <a:rPr lang="en-US" baseline="0" dirty="0" smtClean="0"/>
-              <a:t>or scale out </a:t>
-            </a:r>
-            <a:r>
-              <a:rPr lang="en-US" baseline="0" dirty="0" smtClean="0"/>
-              <a:t>adding more app nodes like </a:t>
-            </a:r>
-            <a:r>
-              <a:rPr lang="en-US" baseline="0" dirty="0" smtClean="0"/>
-              <a:t>this (</a:t>
+            <a:r>
+              <a:rPr lang="en-US" baseline="0" dirty="0" smtClean="0"/>
+              <a:t>If I want to change the infrastructure I can do it easily. I can for example add databases, message queues, or scale up by adding more memory,</a:t>
+            </a:r>
+          </a:p>
+          <a:p>
+            <a:r>
+              <a:rPr lang="en-US" baseline="0" dirty="0" smtClean="0"/>
+              <a:t>or scale out adding more app nodes like this (</a:t>
             </a:r>
             <a:r>
               <a:rPr lang="en-US" baseline="0" dirty="0" err="1" smtClean="0"/>
@@ -2194,11 +2125,7 @@
             </a:r>
             <a:r>
               <a:rPr lang="en-US" baseline="0" dirty="0" smtClean="0"/>
-              <a:t> 5)</a:t>
-            </a:r>
-            <a:r>
-              <a:rPr lang="en-US" baseline="0" dirty="0" smtClean="0"/>
-              <a:t>.</a:t>
+              <a:t> 5).</a:t>
             </a:r>
           </a:p>
           <a:p>
@@ -2209,13 +2136,17 @@
               <a:rPr lang="en-US" baseline="0" dirty="0" smtClean="0"/>
               <a:t>Wow, I added 50 nodes </a:t>
             </a:r>
+          </a:p>
+          <a:p>
+            <a:r>
+              <a:rPr lang="en-US" baseline="0" dirty="0" smtClean="0"/>
+              <a:t>And it all happens in </a:t>
+            </a:r>
+            <a:r>
+              <a:rPr lang="en-US" baseline="0" dirty="0" smtClean="0"/>
+              <a:t>seconds.</a:t>
+            </a:r>
             <a:endParaRPr lang="en-US" baseline="0" dirty="0" smtClean="0"/>
-          </a:p>
-          <a:p>
-            <a:r>
-              <a:rPr lang="en-US" baseline="0" dirty="0" smtClean="0"/>
-              <a:t>And it all happens in seconds or fraction of a second.</a:t>
-            </a:r>
           </a:p>
           <a:p>
             <a:endParaRPr lang="en-US" baseline="0" dirty="0" smtClean="0"/>
@@ -2470,20 +2401,6 @@
             </a:r>
           </a:p>
           <a:p>
-            <a:r>
-              <a:rPr lang="en-US" baseline="0" dirty="0" smtClean="0"/>
-              <a:t>And that one unit can be shipped with trains, ships, cars or whatever. And stacked on top of </a:t>
-            </a:r>
-            <a:r>
-              <a:rPr lang="en-US" baseline="0" dirty="0" err="1" smtClean="0"/>
-              <a:t>eachother</a:t>
-            </a:r>
-            <a:r>
-              <a:rPr lang="en-US" baseline="0" dirty="0" smtClean="0"/>
-              <a:t>.</a:t>
-            </a:r>
-          </a:p>
-          <a:p>
             <a:endParaRPr lang="en-US" baseline="0" dirty="0" smtClean="0"/>
           </a:p>
           <a:p>
@@ -2594,15 +2511,7 @@
             </a:r>
             <a:r>
               <a:rPr lang="en-US" baseline="0" dirty="0" smtClean="0"/>
-              <a:t> run it on your local machine, a integration test server, </a:t>
-            </a:r>
-            <a:r>
-              <a:rPr lang="en-US" baseline="0" dirty="0" smtClean="0"/>
-              <a:t>deploy it to a </a:t>
-            </a:r>
-            <a:r>
-              <a:rPr lang="en-US" baseline="0" dirty="0" smtClean="0"/>
-              <a:t>customer or to a public cloud provider. Without changing anything. </a:t>
+              <a:t> run it on your local machine, a integration test server, deploy it to a customer or to a public cloud provider. Without changing anything. </a:t>
             </a:r>
           </a:p>
           <a:p>
@@ -2611,13 +2520,8 @@
           <a:p>
             <a:r>
               <a:rPr lang="en-US" baseline="0" dirty="0" smtClean="0"/>
-              <a:t>You will always have the exact same </a:t>
-            </a:r>
-            <a:r>
-              <a:rPr lang="en-US" baseline="0" dirty="0" smtClean="0"/>
-              <a:t>environment</a:t>
-            </a:r>
-            <a:endParaRPr lang="en-US" baseline="0" dirty="0" smtClean="0"/>
+              <a:t>You will always have the exact same environment</a:t>
+            </a:r>
           </a:p>
         </p:txBody>
       </p:sp>
@@ -2703,11 +2607,7 @@
           <a:p>
             <a:r>
               <a:rPr lang="en-US" baseline="0" dirty="0" smtClean="0"/>
-              <a:t>you </a:t>
-            </a:r>
-            <a:r>
-              <a:rPr lang="en-US" baseline="0" dirty="0" smtClean="0"/>
-              <a:t>can stack multiple containers together on the same servers. </a:t>
+              <a:t>you can stack multiple containers together on the same servers. </a:t>
             </a:r>
           </a:p>
           <a:p>
@@ -2827,37 +2727,6 @@
             <a:r>
               <a:rPr lang="en-US" baseline="0" dirty="0" smtClean="0"/>
               <a:t>Or you can scale your app out by deploying multiple containers running on multiple servers</a:t>
-            </a:r>
-          </a:p>
-          <a:p>
-            <a:pPr marL="0" marR="0" indent="0" algn="l" defTabSz="457200" rtl="0" eaLnBrk="1" fontAlgn="auto" latinLnBrk="0" hangingPunct="1">
-              <a:lnSpc>
-                <a:spcPct val="100000"/>
-              </a:lnSpc>
-              <a:spcBef>
-                <a:spcPts val="0"/>
-              </a:spcBef>
-              <a:spcAft>
-                <a:spcPts val="0"/>
-              </a:spcAft>
-              <a:buClrTx/>
-              <a:buSzTx/>
-              <a:buFontTx/>
-              <a:buNone/>
-              <a:tabLst/>
-              <a:defRPr/>
-            </a:pPr>
-            <a:r>
-              <a:rPr lang="en-US" baseline="0" dirty="0" smtClean="0"/>
-              <a:t>utilizing </a:t>
-            </a:r>
-            <a:r>
-              <a:rPr lang="en-US" baseline="0" dirty="0" smtClean="0"/>
-              <a:t>amazon </a:t>
-            </a:r>
-            <a:r>
-              <a:rPr lang="en-US" baseline="0" dirty="0" smtClean="0"/>
-              <a:t>ec2 instances and automatically scale your app when load increases</a:t>
             </a:r>
           </a:p>
           <a:p>
@@ -4405,7 +4274,7 @@
           <a:p>
             <a:fld id="{407500A6-99FE-8443-9814-85B0EEFD2379}" type="datetimeFigureOut">
               <a:rPr lang="en-US" smtClean="0"/>
-              <a:t>13/05/14</a:t>
+              <a:t>14/05/14</a:t>
             </a:fld>
             <a:endParaRPr lang="en-US"/>
           </a:p>
@@ -4575,7 +4444,7 @@
           <a:p>
             <a:fld id="{407500A6-99FE-8443-9814-85B0EEFD2379}" type="datetimeFigureOut">
               <a:rPr lang="en-US" smtClean="0"/>
-              <a:t>13/05/14</a:t>
+              <a:t>14/05/14</a:t>
             </a:fld>
             <a:endParaRPr lang="en-US"/>
           </a:p>
@@ -4755,7 +4624,7 @@
           <a:p>
             <a:fld id="{407500A6-99FE-8443-9814-85B0EEFD2379}" type="datetimeFigureOut">
               <a:rPr lang="en-US" smtClean="0"/>
-              <a:t>13/05/14</a:t>
+              <a:t>14/05/14</a:t>
             </a:fld>
             <a:endParaRPr lang="en-US"/>
           </a:p>
@@ -4925,7 +4794,7 @@
           <a:p>
             <a:fld id="{407500A6-99FE-8443-9814-85B0EEFD2379}" type="datetimeFigureOut">
               <a:rPr lang="en-US" smtClean="0"/>
-              <a:t>13/05/14</a:t>
+              <a:t>14/05/14</a:t>
             </a:fld>
             <a:endParaRPr lang="en-US"/>
           </a:p>
@@ -5171,7 +5040,7 @@
           <a:p>
             <a:fld id="{407500A6-99FE-8443-9814-85B0EEFD2379}" type="datetimeFigureOut">
               <a:rPr lang="en-US" smtClean="0"/>
-              <a:t>13/05/14</a:t>
+              <a:t>14/05/14</a:t>
             </a:fld>
             <a:endParaRPr lang="en-US"/>
           </a:p>
@@ -5459,7 +5328,7 @@
           <a:p>
             <a:fld id="{407500A6-99FE-8443-9814-85B0EEFD2379}" type="datetimeFigureOut">
               <a:rPr lang="en-US" smtClean="0"/>
-              <a:t>13/05/14</a:t>
+              <a:t>14/05/14</a:t>
             </a:fld>
             <a:endParaRPr lang="en-US"/>
           </a:p>
@@ -5881,7 +5750,7 @@
           <a:p>
             <a:fld id="{407500A6-99FE-8443-9814-85B0EEFD2379}" type="datetimeFigureOut">
               <a:rPr lang="en-US" smtClean="0"/>
-              <a:t>13/05/14</a:t>
+              <a:t>14/05/14</a:t>
             </a:fld>
             <a:endParaRPr lang="en-US"/>
           </a:p>
@@ -5999,7 +5868,7 @@
           <a:p>
             <a:fld id="{407500A6-99FE-8443-9814-85B0EEFD2379}" type="datetimeFigureOut">
               <a:rPr lang="en-US" smtClean="0"/>
-              <a:t>13/05/14</a:t>
+              <a:t>14/05/14</a:t>
             </a:fld>
             <a:endParaRPr lang="en-US"/>
           </a:p>
@@ -6094,7 +5963,7 @@
           <a:p>
             <a:fld id="{407500A6-99FE-8443-9814-85B0EEFD2379}" type="datetimeFigureOut">
               <a:rPr lang="en-US" smtClean="0"/>
-              <a:t>13/05/14</a:t>
+              <a:t>14/05/14</a:t>
             </a:fld>
             <a:endParaRPr lang="en-US"/>
           </a:p>
@@ -6371,7 +6240,7 @@
           <a:p>
             <a:fld id="{407500A6-99FE-8443-9814-85B0EEFD2379}" type="datetimeFigureOut">
               <a:rPr lang="en-US" smtClean="0"/>
-              <a:t>13/05/14</a:t>
+              <a:t>14/05/14</a:t>
             </a:fld>
             <a:endParaRPr lang="en-US"/>
           </a:p>
@@ -6624,7 +6493,7 @@
           <a:p>
             <a:fld id="{407500A6-99FE-8443-9814-85B0EEFD2379}" type="datetimeFigureOut">
               <a:rPr lang="en-US" smtClean="0"/>
-              <a:t>13/05/14</a:t>
+              <a:t>14/05/14</a:t>
             </a:fld>
             <a:endParaRPr lang="en-US"/>
           </a:p>
@@ -6837,7 +6706,7 @@
           <a:p>
             <a:fld id="{407500A6-99FE-8443-9814-85B0EEFD2379}" type="datetimeFigureOut">
               <a:rPr lang="en-US" smtClean="0"/>
-              <a:t>13/05/14</a:t>
+              <a:t>14/05/14</a:t>
             </a:fld>
             <a:endParaRPr lang="en-US"/>
           </a:p>
@@ -7239,11 +7108,7 @@
           <a:p>
             <a:r>
               <a:rPr lang="en-US" sz="2800" dirty="0" smtClean="0"/>
-              <a:t>Bjørn </a:t>
-            </a:r>
-            <a:r>
-              <a:rPr lang="en-US" sz="2800" dirty="0" smtClean="0"/>
-              <a:t>Nordlund</a:t>
+              <a:t>Bjørn Nordlund</a:t>
             </a:r>
             <a:endParaRPr lang="en-US" sz="2800" dirty="0"/>
           </a:p>
